--- a/database/MySQL/DTCC2019/数据库技术在百度网盘的应用_DTCC2019(陈辉)_V1.0.pptx
+++ b/database/MySQL/DTCC2019/数据库技术在百度网盘的应用_DTCC2019(陈辉)_V1.0.pptx
@@ -138,7 +138,7 @@
   </p:defaultTextStyle>
   <p:extLst>
     <p:ext uri="{EFAFB233-063F-42B5-8137-9DF3F51BA10A}">
-      <p15:sldGuideLst xmlns="" xmlns:p15="http://schemas.microsoft.com/office/powerpoint/2012/main">
+      <p15:sldGuideLst xmlns:p15="http://schemas.microsoft.com/office/powerpoint/2012/main" xmlns="">
         <p15:guide id="1" orient="horz" pos="1620">
           <p15:clr>
             <a:srgbClr val="A4A3A4"/>
@@ -4707,7 +4707,7 @@
           <a:p>
             <a:fld id="{5ADD17C5-7B3C-D448-872D-0D33EFBCF3D8}" type="datetimeFigureOut">
               <a:rPr kumimoji="1" lang="zh-CN" altLang="en-US" smtClean="0"/>
-              <a:t>19/5/4</a:t>
+              <a:t>19/5/5</a:t>
             </a:fld>
             <a:endParaRPr kumimoji="1" lang="zh-CN" altLang="en-US"/>
           </a:p>
@@ -7871,7 +7871,7 @@
           <p:cNvPr id="2" name="Title 1">
             <a:extLst>
               <a:ext uri="{FF2B5EF4-FFF2-40B4-BE49-F238E27FC236}">
-                <a16:creationId xmlns="" xmlns:a16="http://schemas.microsoft.com/office/drawing/2014/main" id="{FCBE26C3-BAF9-4E44-8EE3-544142789B36}"/>
+                <a16:creationId xmlns:a16="http://schemas.microsoft.com/office/drawing/2014/main" xmlns="" id="{FCBE26C3-BAF9-4E44-8EE3-544142789B36}"/>
               </a:ext>
             </a:extLst>
           </p:cNvPr>
@@ -7899,7 +7899,7 @@
           <p:cNvPr id="3" name="Date Placeholder 2">
             <a:extLst>
               <a:ext uri="{FF2B5EF4-FFF2-40B4-BE49-F238E27FC236}">
-                <a16:creationId xmlns="" xmlns:a16="http://schemas.microsoft.com/office/drawing/2014/main" id="{62FFCB5E-7F05-F140-9D46-DE2FFA1E0184}"/>
+                <a16:creationId xmlns:a16="http://schemas.microsoft.com/office/drawing/2014/main" xmlns="" id="{62FFCB5E-7F05-F140-9D46-DE2FFA1E0184}"/>
               </a:ext>
             </a:extLst>
           </p:cNvPr>
@@ -7917,7 +7917,7 @@
           <a:p>
             <a:fld id="{530820CF-B880-4189-942D-D702A7CBA730}" type="datetimeFigureOut">
               <a:rPr lang="zh-CN" altLang="en-US" smtClean="0"/>
-              <a:t>19/5/4</a:t>
+              <a:t>19/5/5</a:t>
             </a:fld>
             <a:endParaRPr lang="zh-CN" altLang="en-US"/>
           </a:p>
@@ -7928,7 +7928,7 @@
           <p:cNvPr id="4" name="Footer Placeholder 3">
             <a:extLst>
               <a:ext uri="{FF2B5EF4-FFF2-40B4-BE49-F238E27FC236}">
-                <a16:creationId xmlns="" xmlns:a16="http://schemas.microsoft.com/office/drawing/2014/main" id="{DE00FACC-DC5D-D941-B07B-D171360459F6}"/>
+                <a16:creationId xmlns:a16="http://schemas.microsoft.com/office/drawing/2014/main" xmlns="" id="{DE00FACC-DC5D-D941-B07B-D171360459F6}"/>
               </a:ext>
             </a:extLst>
           </p:cNvPr>
@@ -7953,7 +7953,7 @@
           <p:cNvPr id="5" name="Slide Number Placeholder 4">
             <a:extLst>
               <a:ext uri="{FF2B5EF4-FFF2-40B4-BE49-F238E27FC236}">
-                <a16:creationId xmlns="" xmlns:a16="http://schemas.microsoft.com/office/drawing/2014/main" id="{F7CA7269-4430-C44D-84E9-C8BDB63F978F}"/>
+                <a16:creationId xmlns:a16="http://schemas.microsoft.com/office/drawing/2014/main" xmlns="" id="{F7CA7269-4430-C44D-84E9-C8BDB63F978F}"/>
               </a:ext>
             </a:extLst>
           </p:cNvPr>
@@ -7982,7 +7982,7 @@
           <p:cNvPr id="8" name="Picture 7">
             <a:extLst>
               <a:ext uri="{FF2B5EF4-FFF2-40B4-BE49-F238E27FC236}">
-                <a16:creationId xmlns="" xmlns:a16="http://schemas.microsoft.com/office/drawing/2014/main" id="{16104A28-1441-AE4C-9016-247481D965F7}"/>
+                <a16:creationId xmlns:a16="http://schemas.microsoft.com/office/drawing/2014/main" xmlns="" id="{16104A28-1441-AE4C-9016-247481D965F7}"/>
               </a:ext>
             </a:extLst>
           </p:cNvPr>
@@ -8205,7 +8205,7 @@
           <a:p>
             <a:fld id="{530820CF-B880-4189-942D-D702A7CBA730}" type="datetimeFigureOut">
               <a:rPr lang="zh-CN" altLang="en-US" smtClean="0"/>
-              <a:t>19/5/4</a:t>
+              <a:t>19/5/5</a:t>
             </a:fld>
             <a:endParaRPr lang="zh-CN" altLang="en-US"/>
           </a:p>
@@ -8258,7 +8258,7 @@
           <p:cNvPr id="10" name="Picture 9">
             <a:extLst>
               <a:ext uri="{FF2B5EF4-FFF2-40B4-BE49-F238E27FC236}">
-                <a16:creationId xmlns="" xmlns:a16="http://schemas.microsoft.com/office/drawing/2014/main" id="{02EADE89-2B53-D14B-A245-66F13308E305}"/>
+                <a16:creationId xmlns:a16="http://schemas.microsoft.com/office/drawing/2014/main" xmlns="" id="{02EADE89-2B53-D14B-A245-66F13308E305}"/>
               </a:ext>
             </a:extLst>
           </p:cNvPr>
@@ -8331,7 +8331,7 @@
           <a:p>
             <a:fld id="{530820CF-B880-4189-942D-D702A7CBA730}" type="datetimeFigureOut">
               <a:rPr lang="zh-CN" altLang="en-US" smtClean="0"/>
-              <a:t>19/5/4</a:t>
+              <a:t>19/5/5</a:t>
             </a:fld>
             <a:endParaRPr lang="zh-CN" altLang="en-US"/>
           </a:p>
@@ -8384,7 +8384,7 @@
           <p:cNvPr id="9" name="Picture 8">
             <a:extLst>
               <a:ext uri="{FF2B5EF4-FFF2-40B4-BE49-F238E27FC236}">
-                <a16:creationId xmlns="" xmlns:a16="http://schemas.microsoft.com/office/drawing/2014/main" id="{23D6FE84-8A3A-1D45-9087-ABAABC113C49}"/>
+                <a16:creationId xmlns:a16="http://schemas.microsoft.com/office/drawing/2014/main" xmlns="" id="{23D6FE84-8A3A-1D45-9087-ABAABC113C49}"/>
               </a:ext>
             </a:extLst>
           </p:cNvPr>
@@ -8445,7 +8445,7 @@
           <p:cNvPr id="2" name="Title 1">
             <a:extLst>
               <a:ext uri="{FF2B5EF4-FFF2-40B4-BE49-F238E27FC236}">
-                <a16:creationId xmlns="" xmlns:a16="http://schemas.microsoft.com/office/drawing/2014/main" id="{98F702B5-97DF-1747-9261-267AFC8A0B89}"/>
+                <a16:creationId xmlns:a16="http://schemas.microsoft.com/office/drawing/2014/main" xmlns="" id="{98F702B5-97DF-1747-9261-267AFC8A0B89}"/>
               </a:ext>
             </a:extLst>
           </p:cNvPr>
@@ -8473,7 +8473,7 @@
           <p:cNvPr id="4" name="Picture 3">
             <a:extLst>
               <a:ext uri="{FF2B5EF4-FFF2-40B4-BE49-F238E27FC236}">
-                <a16:creationId xmlns="" xmlns:a16="http://schemas.microsoft.com/office/drawing/2014/main" id="{183B6B97-2D86-354E-8C87-5AC56DC87F2A}"/>
+                <a16:creationId xmlns:a16="http://schemas.microsoft.com/office/drawing/2014/main" xmlns="" id="{183B6B97-2D86-354E-8C87-5AC56DC87F2A}"/>
               </a:ext>
             </a:extLst>
           </p:cNvPr>
@@ -8708,7 +8708,7 @@
           <a:p>
             <a:fld id="{530820CF-B880-4189-942D-D702A7CBA730}" type="datetimeFigureOut">
               <a:rPr lang="zh-CN" altLang="en-US" smtClean="0"/>
-              <a:t>19/5/4</a:t>
+              <a:t>19/5/5</a:t>
             </a:fld>
             <a:endParaRPr lang="zh-CN" altLang="en-US"/>
           </a:p>
@@ -8761,7 +8761,7 @@
           <p:cNvPr id="9" name="Picture 8">
             <a:extLst>
               <a:ext uri="{FF2B5EF4-FFF2-40B4-BE49-F238E27FC236}">
-                <a16:creationId xmlns="" xmlns:a16="http://schemas.microsoft.com/office/drawing/2014/main" id="{F7F370BF-C70D-1E48-B99B-D92715EC6893}"/>
+                <a16:creationId xmlns:a16="http://schemas.microsoft.com/office/drawing/2014/main" xmlns="" id="{F7F370BF-C70D-1E48-B99B-D92715EC6893}"/>
               </a:ext>
             </a:extLst>
           </p:cNvPr>
@@ -8950,7 +8950,7 @@
           <a:p>
             <a:fld id="{530820CF-B880-4189-942D-D702A7CBA730}" type="datetimeFigureOut">
               <a:rPr lang="zh-CN" altLang="en-US" smtClean="0"/>
-              <a:t>19/5/4</a:t>
+              <a:t>19/5/5</a:t>
             </a:fld>
             <a:endParaRPr lang="zh-CN" altLang="en-US"/>
           </a:p>
@@ -12568,23 +12568,7 @@
                           <a:ea typeface="+mn-ea"/>
                           <a:cs typeface="Calibri"/>
                         </a:rPr>
-                        <a:t>485</a:t>
-                      </a:r>
-                      <a:r>
-                        <a:rPr lang="en-US" altLang="zh-CN" sz="1400" b="0" i="0" dirty="0" smtClean="0">
-                          <a:latin typeface="Calibri"/>
-                          <a:ea typeface="+mn-ea"/>
-                          <a:cs typeface="Calibri"/>
-                        </a:rPr>
-                        <a:t>/</a:t>
-                      </a:r>
-                      <a:r>
-                        <a:rPr lang="en-US" altLang="zh-CN" sz="1400" b="0" i="0" dirty="0" smtClean="0">
-                          <a:latin typeface="Calibri"/>
-                          <a:ea typeface="+mn-ea"/>
-                          <a:cs typeface="Calibri"/>
-                        </a:rPr>
-                        <a:t>s</a:t>
+                        <a:t>485/s</a:t>
                       </a:r>
                       <a:endParaRPr lang="zh-CN" altLang="en-US" sz="1400" b="0" i="0" dirty="0" smtClean="0">
                         <a:latin typeface="Calibri"/>
@@ -12721,23 +12705,7 @@
                           <a:ea typeface="+mn-ea"/>
                           <a:cs typeface="Calibri"/>
                         </a:rPr>
-                        <a:t>1</a:t>
-                      </a:r>
-                      <a:r>
-                        <a:rPr lang="en-US" altLang="zh-CN" sz="1400" b="0" i="0" dirty="0" smtClean="0">
-                          <a:latin typeface="Calibri"/>
-                          <a:ea typeface="+mn-ea"/>
-                          <a:cs typeface="Calibri"/>
-                        </a:rPr>
-                        <a:t>1</a:t>
-                      </a:r>
-                      <a:r>
-                        <a:rPr lang="en-US" altLang="zh-CN" sz="1400" b="0" i="0" dirty="0" smtClean="0">
-                          <a:latin typeface="Calibri"/>
-                          <a:ea typeface="+mn-ea"/>
-                          <a:cs typeface="Calibri"/>
-                        </a:rPr>
-                        <a:t>56/s</a:t>
+                        <a:t>1156/s</a:t>
                       </a:r>
                       <a:endParaRPr lang="zh-CN" altLang="en-US" sz="1400" b="0" i="0" dirty="0" smtClean="0">
                         <a:latin typeface="Calibri"/>
@@ -13013,23 +12981,7 @@
                           <a:ea typeface="+mn-ea"/>
                           <a:cs typeface="Calibri"/>
                         </a:rPr>
-                        <a:t>1</a:t>
-                      </a:r>
-                      <a:r>
-                        <a:rPr lang="en-US" altLang="zh-CN" sz="1400" b="0" i="0" dirty="0" smtClean="0">
-                          <a:latin typeface="Calibri"/>
-                          <a:ea typeface="+mn-ea"/>
-                          <a:cs typeface="Calibri"/>
-                        </a:rPr>
-                        <a:t>239</a:t>
-                      </a:r>
-                      <a:r>
-                        <a:rPr lang="en-US" altLang="zh-CN" sz="1400" b="0" i="0" dirty="0" smtClean="0">
-                          <a:latin typeface="Calibri"/>
-                          <a:ea typeface="+mn-ea"/>
-                          <a:cs typeface="Calibri"/>
-                        </a:rPr>
-                        <a:t>/s</a:t>
+                        <a:t>1239/s</a:t>
                       </a:r>
                       <a:endParaRPr lang="zh-CN" altLang="en-US" sz="1400" b="0" i="0" dirty="0">
                         <a:latin typeface="Calibri"/>
@@ -13793,7 +13745,38 @@
                 <a:ea typeface="黑体"/>
                 <a:cs typeface="黑体"/>
               </a:rPr>
-              <a:t>百度资深数据库架构师：陈辉 高佳</a:t>
+              <a:t>百度数据库架构师</a:t>
+            </a:r>
+            <a:r>
+              <a:rPr lang="zh-CN" altLang="en-US" sz="2800" dirty="0" smtClean="0">
+                <a:latin typeface="黑体"/>
+                <a:ea typeface="黑体"/>
+                <a:cs typeface="黑体"/>
+              </a:rPr>
+              <a:t>：陈辉 </a:t>
+            </a:r>
+            <a:endParaRPr lang="en-US" altLang="zh-CN" sz="2800" dirty="0" smtClean="0">
+              <a:latin typeface="黑体"/>
+              <a:ea typeface="黑体"/>
+              <a:cs typeface="黑体"/>
+            </a:endParaRPr>
+          </a:p>
+          <a:p>
+            <a:r>
+              <a:rPr lang="zh-CN" altLang="en-US" sz="2800" dirty="0" smtClean="0">
+                <a:latin typeface="黑体"/>
+                <a:ea typeface="黑体"/>
+                <a:cs typeface="黑体"/>
+              </a:rPr>
+              <a:t>百度数据库资深运维工程师：</a:t>
+            </a:r>
+            <a:r>
+              <a:rPr lang="zh-CN" altLang="en-US" sz="2800" dirty="0" smtClean="0">
+                <a:latin typeface="黑体"/>
+                <a:ea typeface="黑体"/>
+                <a:cs typeface="黑体"/>
+              </a:rPr>
+              <a:t>高佳</a:t>
             </a:r>
             <a:endParaRPr lang="zh-CN" altLang="en-US" sz="2800" dirty="0">
               <a:latin typeface="黑体"/>
@@ -15616,15 +15599,7 @@
                           <a:ea typeface="宋体"/>
                           <a:cs typeface="Calibri"/>
                         </a:rPr>
-                        <a:t>5670</a:t>
-                      </a:r>
-                      <a:r>
-                        <a:rPr lang="en-US" altLang="zh-CN" sz="1400" b="0" i="0" dirty="0" smtClean="0">
-                          <a:latin typeface="Calibri"/>
-                          <a:ea typeface="宋体"/>
-                          <a:cs typeface="Calibri"/>
-                        </a:rPr>
-                        <a:t>/s</a:t>
+                        <a:t>5670/s</a:t>
                       </a:r>
                       <a:r>
                         <a:rPr lang="en-US" altLang="zh-CN" sz="1400" b="0" i="0" dirty="0" smtClean="0">
@@ -16096,15 +16071,7 @@
                           <a:ea typeface="+mn-ea"/>
                           <a:cs typeface="Calibri"/>
                         </a:rPr>
-                        <a:t>5640</a:t>
-                      </a:r>
-                      <a:r>
-                        <a:rPr lang="en-US" altLang="zh-CN" sz="1400" b="0" i="0" dirty="0" smtClean="0">
-                          <a:latin typeface="Calibri"/>
-                          <a:ea typeface="+mn-ea"/>
-                          <a:cs typeface="Calibri"/>
-                        </a:rPr>
-                        <a:t>/s</a:t>
+                        <a:t>5640/s</a:t>
                       </a:r>
                       <a:endParaRPr lang="zh-CN" altLang="en-US" sz="1400" b="0" i="0" dirty="0">
                         <a:latin typeface="Calibri"/>
@@ -16536,15 +16503,7 @@
                           <a:ea typeface="+mn-ea"/>
                           <a:cs typeface="Calibri"/>
                         </a:rPr>
-                        <a:t>5710</a:t>
-                      </a:r>
-                      <a:r>
-                        <a:rPr lang="en-US" altLang="zh-CN" sz="1400" b="0" i="0" dirty="0" smtClean="0">
-                          <a:latin typeface="Calibri"/>
-                          <a:ea typeface="+mn-ea"/>
-                          <a:cs typeface="Calibri"/>
-                        </a:rPr>
-                        <a:t>/s</a:t>
+                        <a:t>5710/s</a:t>
                       </a:r>
                       <a:endParaRPr lang="zh-CN" altLang="en-US" sz="1400" b="0" i="0" dirty="0">
                         <a:latin typeface="Calibri"/>
@@ -21961,29 +21920,7 @@
                 <a:ea typeface="黑体"/>
                 <a:cs typeface="黑体"/>
               </a:rPr>
-              <a:t>计划：</a:t>
-            </a:r>
-            <a:r>
-              <a:rPr kumimoji="1" lang="zh-CN" altLang="en-US" dirty="0" smtClean="0">
-                <a:solidFill>
-                  <a:prstClr val="black"/>
-                </a:solidFill>
-                <a:latin typeface="黑体"/>
-                <a:ea typeface="黑体"/>
-                <a:cs typeface="黑体"/>
-              </a:rPr>
-              <a:t>软硬结合</a:t>
-            </a:r>
-            <a:r>
-              <a:rPr kumimoji="1" lang="zh-CN" altLang="en-US" dirty="0" smtClean="0">
-                <a:solidFill>
-                  <a:prstClr val="black"/>
-                </a:solidFill>
-                <a:latin typeface="黑体"/>
-                <a:ea typeface="黑体"/>
-                <a:cs typeface="黑体"/>
-              </a:rPr>
-              <a:t>，下一代高性能引擎</a:t>
+              <a:t>计划：软硬结合，下一代高性能引擎</a:t>
             </a:r>
             <a:endParaRPr kumimoji="1" lang="en-US" altLang="zh-CN" dirty="0" smtClean="0">
               <a:solidFill>
@@ -26414,31 +26351,7 @@
                 </a:solidFill>
                 <a:sym typeface="微软雅黑" panose="020B0503020204020204" pitchFamily="34" charset="-122"/>
               </a:rPr>
-              <a:t>2005</a:t>
-            </a:r>
-            <a:r>
-              <a:rPr lang="en-US" altLang="zh-CN" sz="1200" noProof="1" smtClean="0">
-                <a:solidFill>
-                  <a:schemeClr val="tx1">
-                    <a:lumMod val="75000"/>
-                    <a:lumOff val="25000"/>
-                  </a:schemeClr>
-                </a:solidFill>
-                <a:sym typeface="微软雅黑" panose="020B0503020204020204" pitchFamily="34" charset="-122"/>
-              </a:rPr>
-              <a:t>, </a:t>
-            </a:r>
-            <a:r>
-              <a:rPr lang="en-US" altLang="zh-CN" sz="1200" noProof="1" smtClean="0">
-                <a:solidFill>
-                  <a:schemeClr val="tx1">
-                    <a:lumMod val="75000"/>
-                    <a:lumOff val="25000"/>
-                  </a:schemeClr>
-                </a:solidFill>
-                <a:sym typeface="微软雅黑" panose="020B0503020204020204" pitchFamily="34" charset="-122"/>
-              </a:rPr>
-              <a:t>GmailDrive</a:t>
+              <a:t>2005, GmailDrive</a:t>
             </a:r>
             <a:r>
               <a:rPr lang="zh-CN" altLang="en-US" sz="1200" noProof="1" smtClean="0">
@@ -26988,19 +26901,7 @@
                 </a:solidFill>
                 <a:sym typeface="微软雅黑" panose="020B0503020204020204" pitchFamily="34" charset="-122"/>
               </a:rPr>
-              <a:t>各厂商纷纷进入个人云盘领域</a:t>
-            </a:r>
-            <a:r>
-              <a:rPr lang="zh-CN" altLang="en-US" sz="1200" noProof="1" smtClean="0">
-                <a:solidFill>
-                  <a:schemeClr val="tx1">
-                    <a:lumMod val="75000"/>
-                    <a:lumOff val="25000"/>
-                  </a:schemeClr>
-                </a:solidFill>
-                <a:sym typeface="微软雅黑" panose="020B0503020204020204" pitchFamily="34" charset="-122"/>
-              </a:rPr>
-              <a:t>，</a:t>
+              <a:t>各厂商纷纷进入个人云盘领域，</a:t>
             </a:r>
             <a:r>
               <a:rPr lang="zh-CN" altLang="en-US" sz="1200" noProof="1">
@@ -29836,7 +29737,31 @@
               <a:t>大量</a:t>
             </a:r>
             <a:r>
-              <a:rPr kumimoji="1" lang="en-US" altLang="zh-CN" sz="1400" dirty="0">
+              <a:rPr kumimoji="1" lang="en-US" altLang="zh-CN" sz="1400" dirty="0" smtClean="0">
+                <a:latin typeface="黑体"/>
+                <a:ea typeface="黑体"/>
+                <a:cs typeface="黑体"/>
+              </a:rPr>
+              <a:t>order </a:t>
+            </a:r>
+            <a:r>
+              <a:rPr kumimoji="1" lang="en-US" altLang="zh-CN" sz="1400" dirty="0" smtClean="0">
+                <a:latin typeface="黑体"/>
+                <a:ea typeface="黑体"/>
+                <a:cs typeface="黑体"/>
+              </a:rPr>
+              <a:t>by</a:t>
+            </a:r>
+            <a:r>
+              <a:rPr kumimoji="1" lang="zh-CN" altLang="en-US" sz="1400" dirty="0" smtClean="0">
+                <a:latin typeface="黑体"/>
+                <a:ea typeface="黑体"/>
+                <a:cs typeface="黑体"/>
+              </a:rPr>
+              <a:t>，</a:t>
+            </a:r>
+            <a:r>
+              <a:rPr kumimoji="1" lang="en-US" altLang="zh-CN" sz="1400" dirty="0" smtClean="0">
                 <a:latin typeface="黑体"/>
                 <a:ea typeface="黑体"/>
                 <a:cs typeface="黑体"/>
@@ -29844,44 +29769,12 @@
               <a:t>group </a:t>
             </a:r>
             <a:r>
-              <a:rPr kumimoji="1" lang="en-US" altLang="zh-CN" sz="1400" dirty="0" smtClean="0">
-                <a:latin typeface="黑体"/>
-                <a:ea typeface="黑体"/>
-                <a:cs typeface="黑体"/>
-              </a:rPr>
-              <a:t>by</a:t>
-            </a:r>
-            <a:r>
-              <a:rPr kumimoji="1" lang="zh-CN" altLang="en-US" sz="1400" dirty="0" smtClean="0">
-                <a:latin typeface="黑体"/>
-                <a:ea typeface="黑体"/>
-                <a:cs typeface="黑体"/>
-              </a:rPr>
-              <a:t>，</a:t>
-            </a:r>
-            <a:r>
-              <a:rPr kumimoji="1" lang="en-US" altLang="zh-CN" sz="1400" dirty="0" smtClean="0">
-                <a:latin typeface="黑体"/>
-                <a:ea typeface="黑体"/>
-                <a:cs typeface="黑体"/>
-              </a:rPr>
-              <a:t>order by</a:t>
-            </a:r>
-            <a:r>
-              <a:rPr kumimoji="1" lang="zh-CN" altLang="en-US" sz="1400" dirty="0" smtClean="0">
-                <a:latin typeface="黑体"/>
-                <a:ea typeface="黑体"/>
-                <a:cs typeface="黑体"/>
-              </a:rPr>
-              <a:t>，</a:t>
-            </a:r>
-            <a:r>
-              <a:rPr kumimoji="1" lang="en-US" altLang="zh-CN" sz="1400" dirty="0" smtClean="0">
-                <a:latin typeface="黑体"/>
-                <a:ea typeface="黑体"/>
-                <a:cs typeface="黑体"/>
-              </a:rPr>
-              <a:t>distinct</a:t>
+              <a:rPr kumimoji="1" lang="en-US" altLang="zh-CN" sz="1400" dirty="0" err="1" smtClean="0">
+                <a:latin typeface="黑体"/>
+                <a:ea typeface="黑体"/>
+                <a:cs typeface="黑体"/>
+              </a:rPr>
+              <a:t>by,distinct</a:t>
             </a:r>
             <a:r>
               <a:rPr kumimoji="1" lang="zh-CN" altLang="en-US" sz="1400" dirty="0" smtClean="0">
@@ -31015,15 +30908,7 @@
                 <a:ea typeface="黑体"/>
                 <a:cs typeface="黑体"/>
               </a:rPr>
-              <a:t>：压缩后读性能没有提升</a:t>
-            </a:r>
-            <a:r>
-              <a:rPr kumimoji="1" lang="zh-CN" altLang="en-US" dirty="0" smtClean="0">
-                <a:latin typeface="黑体"/>
-                <a:ea typeface="黑体"/>
-                <a:cs typeface="黑体"/>
-              </a:rPr>
-              <a:t>。</a:t>
+              <a:t>：压缩后读性能没有提升。</a:t>
             </a:r>
             <a:endParaRPr kumimoji="1" lang="zh-CN" altLang="en-US" sz="1400" dirty="0" smtClean="0">
               <a:latin typeface="黑体"/>
